--- a/PracticePythonCode/WeeklyPractice_Thai_v1.pptx
+++ b/PracticePythonCode/WeeklyPractice_Thai_v1.pptx
@@ -5055,7 +5055,7 @@
         <p:spPr>
           <a:xfrm>
             <a:off x="1382332" y="3497452"/>
-            <a:ext cx="4713668" cy="1350202"/>
+            <a:ext cx="5304218" cy="1350202"/>
           </a:xfrm>
         </p:spPr>
         <p:txBody>
@@ -5087,7 +5087,7 @@
               <a:rPr lang="en-US" sz="2000" b="1" dirty="0">
                 <a:latin typeface="Palatino Linotype" panose="02040502050505030304" pitchFamily="18" charset="0"/>
               </a:rPr>
-              <a:t>Instructor:     	PhD Le </a:t>
+              <a:t>Instructor:     	Associate Prof. Le </a:t>
             </a:r>
             <a:r>
               <a:rPr lang="en-US" sz="2000" b="1" dirty="0" err="1">
@@ -5257,7 +5257,7 @@
             <a:ext cx="12192000" cy="1033462"/>
           </a:xfrm>
           <a:solidFill>
-            <a:schemeClr val="accent1">
+            <a:schemeClr val="accent4">
               <a:lumMod val="50000"/>
             </a:schemeClr>
           </a:solidFill>
@@ -6061,7 +6061,7 @@
         <p:spPr>
           <a:xfrm>
             <a:off x="838199" y="1706374"/>
-            <a:ext cx="10848975" cy="1569660"/>
+            <a:ext cx="10848975" cy="1877437"/>
           </a:xfrm>
           <a:prstGeom prst="rect">
             <a:avLst/>
@@ -6142,6 +6142,34 @@
               </a:rPr>
               <a:t>Connected Components algorithm</a:t>
             </a:r>
+          </a:p>
+          <a:p>
+            <a:pPr marL="857250" lvl="1" indent="-400050">
+              <a:buFont typeface="Wingdings" panose="05000000000000000000" pitchFamily="2" charset="2"/>
+              <a:buChar char="v"/>
+            </a:pPr>
+            <a:r>
+              <a:rPr lang="en-US" sz="2000" dirty="0">
+                <a:solidFill>
+                  <a:schemeClr val="accent6">
+                    <a:lumMod val="50000"/>
+                  </a:schemeClr>
+                </a:solidFill>
+                <a:latin typeface="Arial" panose="020B0604020202020204" pitchFamily="34" charset="0"/>
+                <a:cs typeface="Arial" panose="020B0604020202020204" pitchFamily="34" charset="0"/>
+                <a:hlinkClick r:id="rId4"/>
+              </a:rPr>
+              <a:t>https://en.wikipedia.org/wiki/Connected-component_labeling</a:t>
+            </a:r>
+            <a:endParaRPr lang="en-US" sz="2000" dirty="0">
+              <a:solidFill>
+                <a:schemeClr val="accent6">
+                  <a:lumMod val="50000"/>
+                </a:schemeClr>
+              </a:solidFill>
+              <a:latin typeface="Arial" panose="020B0604020202020204" pitchFamily="34" charset="0"/>
+              <a:cs typeface="Arial" panose="020B0604020202020204" pitchFamily="34" charset="0"/>
+            </a:endParaRPr>
           </a:p>
           <a:p>
             <a:pPr marL="400050" indent="-400050">
@@ -6215,9 +6243,7 @@
             <a:ext cx="12192000" cy="1033462"/>
           </a:xfrm>
           <a:solidFill>
-            <a:schemeClr val="accent1">
-              <a:lumMod val="50000"/>
-            </a:schemeClr>
+            <a:srgbClr val="C00000"/>
           </a:solidFill>
         </p:spPr>
         <p:style>
@@ -6950,7 +6976,7 @@
             <a:ext cx="12192000" cy="1033462"/>
           </a:xfrm>
           <a:solidFill>
-            <a:schemeClr val="accent1">
+            <a:schemeClr val="accent4">
               <a:lumMod val="50000"/>
             </a:schemeClr>
           </a:solidFill>
@@ -7859,8 +7885,8 @@
           </a:fontRef>
         </p:style>
       </p:cxnSp>
-      <mc:AlternateContent xmlns:mc="http://schemas.openxmlformats.org/markup-compatibility/2006">
-        <mc:Choice xmlns:a14="http://schemas.microsoft.com/office/drawing/2010/main" Requires="a14">
+      <mc:AlternateContent xmlns:mc="http://schemas.openxmlformats.org/markup-compatibility/2006" xmlns:a14="http://schemas.microsoft.com/office/drawing/2010/main">
+        <mc:Choice Requires="a14">
           <p:sp>
             <p:nvSpPr>
               <p:cNvPr id="17" name="TextBox 16">
@@ -7926,7 +7952,7 @@
             </p:txBody>
           </p:sp>
         </mc:Choice>
-        <mc:Fallback>
+        <mc:Fallback xmlns="">
           <p:sp>
             <p:nvSpPr>
               <p:cNvPr id="17" name="TextBox 16">
@@ -7971,8 +7997,8 @@
           </p:sp>
         </mc:Fallback>
       </mc:AlternateContent>
-      <mc:AlternateContent xmlns:mc="http://schemas.openxmlformats.org/markup-compatibility/2006">
-        <mc:Choice xmlns:a14="http://schemas.microsoft.com/office/drawing/2010/main" Requires="a14">
+      <mc:AlternateContent xmlns:mc="http://schemas.openxmlformats.org/markup-compatibility/2006" xmlns:a14="http://schemas.microsoft.com/office/drawing/2010/main">
+        <mc:Choice Requires="a14">
           <p:sp>
             <p:nvSpPr>
               <p:cNvPr id="18" name="TextBox 17">
@@ -8038,7 +8064,7 @@
             </p:txBody>
           </p:sp>
         </mc:Choice>
-        <mc:Fallback>
+        <mc:Fallback xmlns="">
           <p:sp>
             <p:nvSpPr>
               <p:cNvPr id="18" name="TextBox 17">
@@ -8626,7 +8652,7 @@
             <a:ext cx="12192000" cy="1033462"/>
           </a:xfrm>
           <a:solidFill>
-            <a:schemeClr val="accent1">
+            <a:schemeClr val="accent4">
               <a:lumMod val="50000"/>
             </a:schemeClr>
           </a:solidFill>
@@ -8836,7 +8862,7 @@
                 <a:latin typeface="Arial" panose="020B0604020202020204" pitchFamily="34" charset="0"/>
                 <a:cs typeface="Arial" panose="020B0604020202020204" pitchFamily="34" charset="0"/>
               </a:rPr>
-              <a:t> Connected Components Algorithm</a:t>
+              <a:t> Connected Components Algorithm (Applications)</a:t>
             </a:r>
             <a:endParaRPr lang="en-US" b="1" dirty="0">
               <a:solidFill>
@@ -8904,6 +8930,150 @@
               <a:t>5/7/2021</a:t>
             </a:fld>
             <a:endParaRPr lang="en-US"/>
+          </a:p>
+        </p:txBody>
+      </p:sp>
+      <p:pic>
+        <p:nvPicPr>
+          <p:cNvPr id="4" name="Picture 3">
+            <a:extLst>
+              <a:ext uri="{FF2B5EF4-FFF2-40B4-BE49-F238E27FC236}">
+                <a16:creationId xmlns:a16="http://schemas.microsoft.com/office/drawing/2014/main" id="{6D3CEB37-843E-41F2-885A-4EF0E2C2707D}"/>
+              </a:ext>
+            </a:extLst>
+          </p:cNvPr>
+          <p:cNvPicPr>
+            <a:picLocks noChangeAspect="1"/>
+          </p:cNvPicPr>
+          <p:nvPr/>
+        </p:nvPicPr>
+        <p:blipFill>
+          <a:blip r:embed="rId2"/>
+          <a:stretch>
+            <a:fillRect/>
+          </a:stretch>
+        </p:blipFill>
+        <p:spPr>
+          <a:xfrm>
+            <a:off x="838200" y="1948690"/>
+            <a:ext cx="5368779" cy="2575151"/>
+          </a:xfrm>
+          <a:prstGeom prst="rect">
+            <a:avLst/>
+          </a:prstGeom>
+        </p:spPr>
+      </p:pic>
+      <p:sp>
+        <p:nvSpPr>
+          <p:cNvPr id="5" name="TextBox 4">
+            <a:extLst>
+              <a:ext uri="{FF2B5EF4-FFF2-40B4-BE49-F238E27FC236}">
+                <a16:creationId xmlns:a16="http://schemas.microsoft.com/office/drawing/2014/main" id="{20A48499-7024-4E55-A500-41ECD8C8B5E9}"/>
+              </a:ext>
+            </a:extLst>
+          </p:cNvPr>
+          <p:cNvSpPr txBox="1"/>
+          <p:nvPr/>
+        </p:nvSpPr>
+        <p:spPr>
+          <a:xfrm>
+            <a:off x="2419350" y="4592592"/>
+            <a:ext cx="2324100" cy="369332"/>
+          </a:xfrm>
+          <a:prstGeom prst="rect">
+            <a:avLst/>
+          </a:prstGeom>
+          <a:noFill/>
+        </p:spPr>
+        <p:txBody>
+          <a:bodyPr wrap="square" rtlCol="0">
+            <a:spAutoFit/>
+          </a:bodyPr>
+          <a:lstStyle/>
+          <a:p>
+            <a:r>
+              <a:rPr lang="en-US" b="0" i="0" dirty="0">
+                <a:solidFill>
+                  <a:srgbClr val="202124"/>
+                </a:solidFill>
+                <a:effectLst/>
+                <a:latin typeface="Google Sans"/>
+              </a:rPr>
+              <a:t>CT image of the chest</a:t>
+            </a:r>
+            <a:endParaRPr lang="en-US" dirty="0"/>
+          </a:p>
+        </p:txBody>
+      </p:sp>
+      <p:pic>
+        <p:nvPicPr>
+          <p:cNvPr id="9" name="Picture 8">
+            <a:extLst>
+              <a:ext uri="{FF2B5EF4-FFF2-40B4-BE49-F238E27FC236}">
+                <a16:creationId xmlns:a16="http://schemas.microsoft.com/office/drawing/2014/main" id="{BB4F89E5-ABA9-4ACD-9402-33340BF015CC}"/>
+              </a:ext>
+            </a:extLst>
+          </p:cNvPr>
+          <p:cNvPicPr>
+            <a:picLocks noChangeAspect="1"/>
+          </p:cNvPicPr>
+          <p:nvPr/>
+        </p:nvPicPr>
+        <p:blipFill>
+          <a:blip r:embed="rId3"/>
+          <a:stretch>
+            <a:fillRect/>
+          </a:stretch>
+        </p:blipFill>
+        <p:spPr>
+          <a:xfrm>
+            <a:off x="6562663" y="1948689"/>
+            <a:ext cx="5542434" cy="2575151"/>
+          </a:xfrm>
+          <a:prstGeom prst="rect">
+            <a:avLst/>
+          </a:prstGeom>
+        </p:spPr>
+      </p:pic>
+      <p:sp>
+        <p:nvSpPr>
+          <p:cNvPr id="15" name="TextBox 14">
+            <a:extLst>
+              <a:ext uri="{FF2B5EF4-FFF2-40B4-BE49-F238E27FC236}">
+                <a16:creationId xmlns:a16="http://schemas.microsoft.com/office/drawing/2014/main" id="{EE6F8CFF-EB77-4747-8AF7-974A4FD4A671}"/>
+              </a:ext>
+            </a:extLst>
+          </p:cNvPr>
+          <p:cNvSpPr txBox="1"/>
+          <p:nvPr/>
+        </p:nvSpPr>
+        <p:spPr>
+          <a:xfrm>
+            <a:off x="8257245" y="4592592"/>
+            <a:ext cx="2153270" cy="369332"/>
+          </a:xfrm>
+          <a:prstGeom prst="rect">
+            <a:avLst/>
+          </a:prstGeom>
+          <a:noFill/>
+        </p:spPr>
+        <p:txBody>
+          <a:bodyPr wrap="square" rtlCol="0">
+            <a:spAutoFit/>
+          </a:bodyPr>
+          <a:lstStyle/>
+          <a:p>
+            <a:r>
+              <a:rPr lang="en-US" b="0" i="0" dirty="0">
+                <a:solidFill>
+                  <a:srgbClr val="202124"/>
+                </a:solidFill>
+                <a:effectLst/>
+                <a:latin typeface="Google Sans"/>
+              </a:rPr>
+              <a:t>Image Segmentation</a:t>
+            </a:r>
+            <a:endParaRPr lang="en-US" dirty="0"/>
           </a:p>
         </p:txBody>
       </p:sp>
@@ -9080,6 +9250,302 @@
               <a:t>5/7/2021</a:t>
             </a:fld>
             <a:endParaRPr lang="en-US"/>
+          </a:p>
+        </p:txBody>
+      </p:sp>
+      <p:pic>
+        <p:nvPicPr>
+          <p:cNvPr id="8" name="Picture 7">
+            <a:extLst>
+              <a:ext uri="{FF2B5EF4-FFF2-40B4-BE49-F238E27FC236}">
+                <a16:creationId xmlns:a16="http://schemas.microsoft.com/office/drawing/2014/main" id="{E1D40032-CD22-4D2D-8357-3E24BA31E063}"/>
+              </a:ext>
+            </a:extLst>
+          </p:cNvPr>
+          <p:cNvPicPr>
+            <a:picLocks noChangeAspect="1"/>
+          </p:cNvPicPr>
+          <p:nvPr/>
+        </p:nvPicPr>
+        <p:blipFill>
+          <a:blip r:embed="rId2"/>
+          <a:stretch>
+            <a:fillRect/>
+          </a:stretch>
+        </p:blipFill>
+        <p:spPr>
+          <a:xfrm>
+            <a:off x="838199" y="1775634"/>
+            <a:ext cx="5648325" cy="4481955"/>
+          </a:xfrm>
+          <a:prstGeom prst="rect">
+            <a:avLst/>
+          </a:prstGeom>
+        </p:spPr>
+      </p:pic>
+      <p:sp>
+        <p:nvSpPr>
+          <p:cNvPr id="9" name="TextBox 8">
+            <a:extLst>
+              <a:ext uri="{FF2B5EF4-FFF2-40B4-BE49-F238E27FC236}">
+                <a16:creationId xmlns:a16="http://schemas.microsoft.com/office/drawing/2014/main" id="{AE49277F-3419-4F39-8C71-5CE7900629E0}"/>
+              </a:ext>
+            </a:extLst>
+          </p:cNvPr>
+          <p:cNvSpPr txBox="1"/>
+          <p:nvPr/>
+        </p:nvSpPr>
+        <p:spPr>
+          <a:xfrm>
+            <a:off x="838200" y="1338319"/>
+            <a:ext cx="3524251" cy="338554"/>
+          </a:xfrm>
+          <a:prstGeom prst="rect">
+            <a:avLst/>
+          </a:prstGeom>
+          <a:noFill/>
+        </p:spPr>
+        <p:txBody>
+          <a:bodyPr wrap="square" rtlCol="0">
+            <a:spAutoFit/>
+          </a:bodyPr>
+          <a:lstStyle/>
+          <a:p>
+            <a:r>
+              <a:rPr lang="en-US" sz="1600" dirty="0" err="1">
+                <a:solidFill>
+                  <a:schemeClr val="accent6">
+                    <a:lumMod val="50000"/>
+                  </a:schemeClr>
+                </a:solidFill>
+                <a:latin typeface="Arial" panose="020B0604020202020204" pitchFamily="34" charset="0"/>
+                <a:cs typeface="Arial" panose="020B0604020202020204" pitchFamily="34" charset="0"/>
+              </a:rPr>
+              <a:t>Presudo</a:t>
+            </a:r>
+            <a:r>
+              <a:rPr lang="en-US" sz="1600" dirty="0">
+                <a:solidFill>
+                  <a:schemeClr val="accent6">
+                    <a:lumMod val="50000"/>
+                  </a:schemeClr>
+                </a:solidFill>
+                <a:latin typeface="Arial" panose="020B0604020202020204" pitchFamily="34" charset="0"/>
+                <a:cs typeface="Arial" panose="020B0604020202020204" pitchFamily="34" charset="0"/>
+              </a:rPr>
+              <a:t> code for this algorithm:</a:t>
+            </a:r>
+          </a:p>
+        </p:txBody>
+      </p:sp>
+      <p:pic>
+        <p:nvPicPr>
+          <p:cNvPr id="2051" name="Picture 3">
+            <a:extLst>
+              <a:ext uri="{FF2B5EF4-FFF2-40B4-BE49-F238E27FC236}">
+                <a16:creationId xmlns:a16="http://schemas.microsoft.com/office/drawing/2014/main" id="{ECD7C8A3-CDBF-400D-A260-C22EB474BDBC}"/>
+              </a:ext>
+            </a:extLst>
+          </p:cNvPr>
+          <p:cNvPicPr>
+            <a:picLocks noChangeAspect="1" noChangeArrowheads="1"/>
+          </p:cNvPicPr>
+          <p:nvPr/>
+        </p:nvPicPr>
+        <p:blipFill>
+          <a:blip r:embed="rId3">
+            <a:extLst>
+              <a:ext uri="{28A0092B-C50C-407E-A947-70E740481C1C}">
+                <a14:useLocalDpi xmlns:a14="http://schemas.microsoft.com/office/drawing/2010/main" val="0"/>
+              </a:ext>
+            </a:extLst>
+          </a:blip>
+          <a:srcRect/>
+          <a:stretch>
+            <a:fillRect/>
+          </a:stretch>
+        </p:blipFill>
+        <p:spPr bwMode="auto">
+          <a:xfrm>
+            <a:off x="7496176" y="1338319"/>
+            <a:ext cx="2095500" cy="5057775"/>
+          </a:xfrm>
+          <a:prstGeom prst="rect">
+            <a:avLst/>
+          </a:prstGeom>
+          <a:noFill/>
+          <a:extLst>
+            <a:ext uri="{909E8E84-426E-40DD-AFC4-6F175D3DCCD1}">
+              <a14:hiddenFill xmlns:a14="http://schemas.microsoft.com/office/drawing/2010/main">
+                <a:solidFill>
+                  <a:srgbClr val="FFFFFF"/>
+                </a:solidFill>
+              </a14:hiddenFill>
+            </a:ext>
+          </a:extLst>
+        </p:spPr>
+      </p:pic>
+      <p:pic>
+        <p:nvPicPr>
+          <p:cNvPr id="2053" name="Picture 5">
+            <a:extLst>
+              <a:ext uri="{FF2B5EF4-FFF2-40B4-BE49-F238E27FC236}">
+                <a16:creationId xmlns:a16="http://schemas.microsoft.com/office/drawing/2014/main" id="{D3ED5C22-5E70-4E45-9A37-36567B081B14}"/>
+              </a:ext>
+            </a:extLst>
+          </p:cNvPr>
+          <p:cNvPicPr>
+            <a:picLocks noChangeAspect="1" noChangeArrowheads="1"/>
+          </p:cNvPicPr>
+          <p:nvPr/>
+        </p:nvPicPr>
+        <p:blipFill>
+          <a:blip r:embed="rId4">
+            <a:extLst>
+              <a:ext uri="{28A0092B-C50C-407E-A947-70E740481C1C}">
+                <a14:useLocalDpi xmlns:a14="http://schemas.microsoft.com/office/drawing/2010/main" val="0"/>
+              </a:ext>
+            </a:extLst>
+          </a:blip>
+          <a:srcRect/>
+          <a:stretch>
+            <a:fillRect/>
+          </a:stretch>
+        </p:blipFill>
+        <p:spPr bwMode="auto">
+          <a:xfrm>
+            <a:off x="10401300" y="3603640"/>
+            <a:ext cx="952500" cy="952500"/>
+          </a:xfrm>
+          <a:prstGeom prst="rect">
+            <a:avLst/>
+          </a:prstGeom>
+          <a:noFill/>
+          <a:extLst>
+            <a:ext uri="{909E8E84-426E-40DD-AFC4-6F175D3DCCD1}">
+              <a14:hiddenFill xmlns:a14="http://schemas.microsoft.com/office/drawing/2010/main">
+                <a:solidFill>
+                  <a:srgbClr val="FFFFFF"/>
+                </a:solidFill>
+              </a14:hiddenFill>
+            </a:ext>
+          </a:extLst>
+        </p:spPr>
+      </p:pic>
+      <p:pic>
+        <p:nvPicPr>
+          <p:cNvPr id="2055" name="Picture 7">
+            <a:extLst>
+              <a:ext uri="{FF2B5EF4-FFF2-40B4-BE49-F238E27FC236}">
+                <a16:creationId xmlns:a16="http://schemas.microsoft.com/office/drawing/2014/main" id="{667AC008-27CB-4C7B-84ED-887BFB30B2B1}"/>
+              </a:ext>
+            </a:extLst>
+          </p:cNvPr>
+          <p:cNvPicPr>
+            <a:picLocks noChangeAspect="1" noChangeArrowheads="1"/>
+          </p:cNvPicPr>
+          <p:nvPr/>
+        </p:nvPicPr>
+        <p:blipFill>
+          <a:blip r:embed="rId5">
+            <a:extLst>
+              <a:ext uri="{28A0092B-C50C-407E-A947-70E740481C1C}">
+                <a14:useLocalDpi xmlns:a14="http://schemas.microsoft.com/office/drawing/2010/main" val="0"/>
+              </a:ext>
+            </a:extLst>
+          </a:blip>
+          <a:srcRect/>
+          <a:stretch>
+            <a:fillRect/>
+          </a:stretch>
+        </p:blipFill>
+        <p:spPr bwMode="auto">
+          <a:xfrm>
+            <a:off x="10401300" y="1775634"/>
+            <a:ext cx="952500" cy="952500"/>
+          </a:xfrm>
+          <a:prstGeom prst="rect">
+            <a:avLst/>
+          </a:prstGeom>
+          <a:noFill/>
+          <a:extLst>
+            <a:ext uri="{909E8E84-426E-40DD-AFC4-6F175D3DCCD1}">
+              <a14:hiddenFill xmlns:a14="http://schemas.microsoft.com/office/drawing/2010/main">
+                <a:solidFill>
+                  <a:srgbClr val="FFFFFF"/>
+                </a:solidFill>
+              </a14:hiddenFill>
+            </a:ext>
+          </a:extLst>
+        </p:spPr>
+      </p:pic>
+      <p:sp>
+        <p:nvSpPr>
+          <p:cNvPr id="10" name="TextBox 9">
+            <a:extLst>
+              <a:ext uri="{FF2B5EF4-FFF2-40B4-BE49-F238E27FC236}">
+                <a16:creationId xmlns:a16="http://schemas.microsoft.com/office/drawing/2014/main" id="{8F6C9283-8749-4A59-8D78-068AF030F6EA}"/>
+              </a:ext>
+            </a:extLst>
+          </p:cNvPr>
+          <p:cNvSpPr txBox="1"/>
+          <p:nvPr/>
+        </p:nvSpPr>
+        <p:spPr>
+          <a:xfrm>
+            <a:off x="10115550" y="4643492"/>
+            <a:ext cx="1524000" cy="369332"/>
+          </a:xfrm>
+          <a:prstGeom prst="rect">
+            <a:avLst/>
+          </a:prstGeom>
+          <a:noFill/>
+        </p:spPr>
+        <p:txBody>
+          <a:bodyPr wrap="square" rtlCol="0">
+            <a:spAutoFit/>
+          </a:bodyPr>
+          <a:lstStyle/>
+          <a:p>
+            <a:r>
+              <a:rPr lang="en-US" dirty="0"/>
+              <a:t>8-connectivity</a:t>
+            </a:r>
+          </a:p>
+        </p:txBody>
+      </p:sp>
+      <p:sp>
+        <p:nvSpPr>
+          <p:cNvPr id="14" name="TextBox 13">
+            <a:extLst>
+              <a:ext uri="{FF2B5EF4-FFF2-40B4-BE49-F238E27FC236}">
+                <a16:creationId xmlns:a16="http://schemas.microsoft.com/office/drawing/2014/main" id="{930EB43A-8D43-4450-94BE-D0C84414B498}"/>
+              </a:ext>
+            </a:extLst>
+          </p:cNvPr>
+          <p:cNvSpPr txBox="1"/>
+          <p:nvPr/>
+        </p:nvSpPr>
+        <p:spPr>
+          <a:xfrm>
+            <a:off x="10115550" y="2795434"/>
+            <a:ext cx="1524000" cy="369332"/>
+          </a:xfrm>
+          <a:prstGeom prst="rect">
+            <a:avLst/>
+          </a:prstGeom>
+          <a:noFill/>
+        </p:spPr>
+        <p:txBody>
+          <a:bodyPr wrap="square" rtlCol="0">
+            <a:spAutoFit/>
+          </a:bodyPr>
+          <a:lstStyle/>
+          <a:p>
+            <a:r>
+              <a:rPr lang="en-US" dirty="0"/>
+              <a:t>4-connectivity</a:t>
+            </a:r>
           </a:p>
         </p:txBody>
       </p:sp>
